--- a/02 - Case Studies and Acquiring Data/casestudies.pptx
+++ b/02 - Case Studies and Acquiring Data/casestudies.pptx
@@ -261,7 +261,7 @@
       <p15:sldGuideLst xmlns:p15="http://schemas.microsoft.com/office/powerpoint/2012/main"/>
     </p:ext>
     <p:ext uri="http://customooxmlschemas.google.com/">
-      <go:slidesCustomData xmlns:go="http://customooxmlschemas.google.com/" xmlns:p15="http://schemas.microsoft.com/office/powerpoint/2012/main" xmlns:p14="http://schemas.microsoft.com/office/powerpoint/2010/main" xmlns:com="http://schemas.openxmlformats.org/drawingml/2006/compatibility" xmlns:pvml="urn:schemas-microsoft-com:office:powerpoint" xmlns:v="urn:schemas-microsoft-com:vml" xmlns:o="urn:schemas-microsoft-com:office:office" xmlns:dgm="http://schemas.openxmlformats.org/drawingml/2006/diagram" xmlns:c="http://schemas.openxmlformats.org/drawingml/2006/chart" xmlns:mv="urn:schemas-microsoft-com:mac:vml" xmlns:mc="http://schemas.openxmlformats.org/markup-compatibility/2006" xmlns="" r:id="rId30" roundtripDataSignature="AMtx7mjFyVUGRZWio+dc9dxzYsimUxNJbg=="/>
+      <go:slidesCustomData xmlns="" xmlns:mc="http://schemas.openxmlformats.org/markup-compatibility/2006" xmlns:mv="urn:schemas-microsoft-com:mac:vml" xmlns:c="http://schemas.openxmlformats.org/drawingml/2006/chart" xmlns:dgm="http://schemas.openxmlformats.org/drawingml/2006/diagram" xmlns:o="urn:schemas-microsoft-com:office:office" xmlns:v="urn:schemas-microsoft-com:vml" xmlns:pvml="urn:schemas-microsoft-com:office:powerpoint" xmlns:com="http://schemas.openxmlformats.org/drawingml/2006/compatibility" xmlns:p14="http://schemas.microsoft.com/office/powerpoint/2010/main" xmlns:p15="http://schemas.microsoft.com/office/powerpoint/2012/main" xmlns:go="http://customooxmlschemas.google.com/" r:id="rId30" roundtripDataSignature="AMtx7mjFyVUGRZWio+dc9dxzYsimUxNJbg=="/>
     </p:ext>
   </p:extLst>
 </p:presentation>
@@ -13581,68 +13581,6 @@
           </a:p>
           <a:p>
             <a:r>
-              <a:rPr lang="en-US" dirty="0">
-                <a:highlight>
-                  <a:srgbClr val="FFFF00"/>
-                </a:highlight>
-              </a:rPr>
-              <a:t>For Thursday:</a:t>
-            </a:r>
-          </a:p>
-          <a:p>
-            <a:pPr lvl="1"/>
-            <a:r>
-              <a:rPr lang="en-US" dirty="0">
-                <a:highlight>
-                  <a:srgbClr val="FFFF00"/>
-                </a:highlight>
-              </a:rPr>
-              <a:t>Data Acquisition, Storage, and Linkage Video: </a:t>
-            </a:r>
-            <a:r>
-              <a:rPr lang="en-US" dirty="0">
-                <a:solidFill>
-                  <a:srgbClr val="FF0000"/>
-                </a:solidFill>
-                <a:highlight>
-                  <a:srgbClr val="FFFF00"/>
-                </a:highlight>
-                <a:hlinkClick r:id="rId2">
-                  <a:extLst>
-                    <a:ext uri="{A12FA001-AC4F-418D-AE19-62706E023703}">
-                      <ahyp:hlinkClr xmlns:ahyp="http://schemas.microsoft.com/office/drawing/2018/hyperlinkcolor" val="tx"/>
-                    </a:ext>
-                  </a:extLst>
-                </a:hlinkClick>
-              </a:rPr>
-              <a:t>http://bit.ly/mlpp-data-video</a:t>
-            </a:r>
-            <a:endParaRPr lang="en-US" dirty="0">
-              <a:solidFill>
-                <a:srgbClr val="FF0000"/>
-              </a:solidFill>
-              <a:highlight>
-                <a:srgbClr val="FFFF00"/>
-              </a:highlight>
-            </a:endParaRPr>
-          </a:p>
-          <a:p>
-            <a:pPr lvl="1"/>
-            <a:r>
-              <a:rPr lang="en-US" dirty="0">
-                <a:highlight>
-                  <a:srgbClr val="FFFF00"/>
-                </a:highlight>
-              </a:rPr>
-              <a:t>Think about the discussion prompt at the end of the video and we’ll discuss in class</a:t>
-            </a:r>
-            <a:br>
-              <a:rPr lang="en-US" dirty="0"/>
-            </a:br>
-            <a:endParaRPr lang="en-US" dirty="0"/>
-          </a:p>
-          <a:p>
-            <a:r>
               <a:rPr lang="en-US" dirty="0"/>
               <a:t>Project Groups</a:t>
             </a:r>
@@ -13731,68 +13669,6 @@
             <a:r>
               <a:rPr lang="en-US" dirty="0"/>
               <a:t>Due Today: Data Loading Exercise</a:t>
-            </a:r>
-            <a:br>
-              <a:rPr lang="en-US" dirty="0"/>
-            </a:br>
-            <a:endParaRPr lang="en-US" dirty="0"/>
-          </a:p>
-          <a:p>
-            <a:r>
-              <a:rPr lang="en-US" dirty="0">
-                <a:highlight>
-                  <a:srgbClr val="FFFF00"/>
-                </a:highlight>
-              </a:rPr>
-              <a:t>For Thursday:</a:t>
-            </a:r>
-          </a:p>
-          <a:p>
-            <a:pPr lvl="1"/>
-            <a:r>
-              <a:rPr lang="en-US" dirty="0">
-                <a:highlight>
-                  <a:srgbClr val="FFFF00"/>
-                </a:highlight>
-              </a:rPr>
-              <a:t>Data Acquisition, Storage, and Linkage Video: </a:t>
-            </a:r>
-            <a:r>
-              <a:rPr lang="en-US" dirty="0">
-                <a:solidFill>
-                  <a:srgbClr val="FF0000"/>
-                </a:solidFill>
-                <a:highlight>
-                  <a:srgbClr val="FFFF00"/>
-                </a:highlight>
-                <a:hlinkClick r:id="rId2">
-                  <a:extLst>
-                    <a:ext uri="{A12FA001-AC4F-418D-AE19-62706E023703}">
-                      <ahyp:hlinkClr xmlns:ahyp="http://schemas.microsoft.com/office/drawing/2018/hyperlinkcolor" val="tx"/>
-                    </a:ext>
-                  </a:extLst>
-                </a:hlinkClick>
-              </a:rPr>
-              <a:t>http://bit.ly/mlpp-data-video</a:t>
-            </a:r>
-            <a:endParaRPr lang="en-US" dirty="0">
-              <a:solidFill>
-                <a:srgbClr val="FF0000"/>
-              </a:solidFill>
-              <a:highlight>
-                <a:srgbClr val="FFFF00"/>
-              </a:highlight>
-            </a:endParaRPr>
-          </a:p>
-          <a:p>
-            <a:pPr lvl="1"/>
-            <a:r>
-              <a:rPr lang="en-US" dirty="0">
-                <a:highlight>
-                  <a:srgbClr val="FFFF00"/>
-                </a:highlight>
-              </a:rPr>
-              <a:t>Think about the discussion prompt at the end of the video and we’ll discuss in class</a:t>
             </a:r>
             <a:br>
               <a:rPr lang="en-US" dirty="0"/>
